--- a/Sigmund_Vestergaard_16140435_Martin_O'Sullivan_16135024.pptx
+++ b/Sigmund_Vestergaard_16140435_Martin_O'Sullivan_16135024.pptx
@@ -9,15 +9,12 @@
     <p:sldId id="257" r:id="rId3"/>
     <p:sldId id="258" r:id="rId4"/>
     <p:sldId id="259" r:id="rId5"/>
-    <p:sldId id="267" r:id="rId6"/>
-    <p:sldId id="268" r:id="rId7"/>
-    <p:sldId id="264" r:id="rId8"/>
-    <p:sldId id="263" r:id="rId9"/>
-    <p:sldId id="260" r:id="rId10"/>
-    <p:sldId id="265" r:id="rId11"/>
-    <p:sldId id="261" r:id="rId12"/>
-    <p:sldId id="266" r:id="rId13"/>
-    <p:sldId id="262" r:id="rId14"/>
+    <p:sldId id="268" r:id="rId6"/>
+    <p:sldId id="263" r:id="rId7"/>
+    <p:sldId id="260" r:id="rId8"/>
+    <p:sldId id="265" r:id="rId9"/>
+    <p:sldId id="261" r:id="rId10"/>
+    <p:sldId id="262" r:id="rId11"/>
   </p:sldIdLst>
   <p:sldSz cx="12192000" cy="6858000"/>
   <p:notesSz cx="6858000" cy="9144000"/>
@@ -338,7 +335,7 @@
             <a:fld id="{B61BEF0D-F0BB-DE4B-95CE-6DB70DBA9567}" type="datetimeFigureOut">
               <a:rPr lang="en-US" dirty="0"/>
               <a:pPr/>
-              <a:t>7/21/2017</a:t>
+              <a:t>7/22/2017</a:t>
             </a:fld>
             <a:endParaRPr lang="en-US" dirty="0"/>
           </a:p>
@@ -625,7 +622,7 @@
             <a:fld id="{B61BEF0D-F0BB-DE4B-95CE-6DB70DBA9567}" type="datetimeFigureOut">
               <a:rPr lang="en-US" dirty="0"/>
               <a:pPr/>
-              <a:t>7/21/2017</a:t>
+              <a:t>7/22/2017</a:t>
             </a:fld>
             <a:endParaRPr lang="en-US" dirty="0"/>
           </a:p>
@@ -881,7 +878,7 @@
             <a:fld id="{B61BEF0D-F0BB-DE4B-95CE-6DB70DBA9567}" type="datetimeFigureOut">
               <a:rPr lang="en-US" dirty="0"/>
               <a:pPr/>
-              <a:t>7/21/2017</a:t>
+              <a:t>7/22/2017</a:t>
             </a:fld>
             <a:endParaRPr lang="en-US" dirty="0"/>
           </a:p>
@@ -1347,7 +1344,7 @@
             <a:fld id="{B61BEF0D-F0BB-DE4B-95CE-6DB70DBA9567}" type="datetimeFigureOut">
               <a:rPr lang="en-US" dirty="0"/>
               <a:pPr/>
-              <a:t>7/21/2017</a:t>
+              <a:t>7/22/2017</a:t>
             </a:fld>
             <a:endParaRPr lang="en-US" dirty="0"/>
           </a:p>
@@ -1524,7 +1521,7 @@
             <a:fld id="{B61BEF0D-F0BB-DE4B-95CE-6DB70DBA9567}" type="datetimeFigureOut">
               <a:rPr lang="en-US" dirty="0"/>
               <a:pPr/>
-              <a:t>7/21/2017</a:t>
+              <a:t>7/22/2017</a:t>
             </a:fld>
             <a:endParaRPr lang="en-US" dirty="0"/>
           </a:p>
@@ -2097,7 +2094,7 @@
             <a:fld id="{B61BEF0D-F0BB-DE4B-95CE-6DB70DBA9567}" type="datetimeFigureOut">
               <a:rPr lang="en-US" dirty="0"/>
               <a:pPr/>
-              <a:t>7/21/2017</a:t>
+              <a:t>7/22/2017</a:t>
             </a:fld>
             <a:endParaRPr lang="en-US" dirty="0"/>
           </a:p>
@@ -2426,7 +2423,7 @@
             <a:fld id="{B61BEF0D-F0BB-DE4B-95CE-6DB70DBA9567}" type="datetimeFigureOut">
               <a:rPr lang="en-US" dirty="0"/>
               <a:pPr/>
-              <a:t>7/21/2017</a:t>
+              <a:t>7/22/2017</a:t>
             </a:fld>
             <a:endParaRPr lang="en-US" dirty="0"/>
           </a:p>
@@ -2598,7 +2595,7 @@
             <a:fld id="{B61BEF0D-F0BB-DE4B-95CE-6DB70DBA9567}" type="datetimeFigureOut">
               <a:rPr lang="en-US" dirty="0"/>
               <a:pPr/>
-              <a:t>7/21/2017</a:t>
+              <a:t>7/22/2017</a:t>
             </a:fld>
             <a:endParaRPr lang="en-US" dirty="0"/>
           </a:p>
@@ -2775,7 +2772,7 @@
             <a:fld id="{B61BEF0D-F0BB-DE4B-95CE-6DB70DBA9567}" type="datetimeFigureOut">
               <a:rPr lang="en-US" dirty="0"/>
               <a:pPr/>
-              <a:t>7/21/2017</a:t>
+              <a:t>7/22/2017</a:t>
             </a:fld>
             <a:endParaRPr lang="en-US" dirty="0"/>
           </a:p>
@@ -2942,7 +2939,7 @@
             <a:fld id="{B61BEF0D-F0BB-DE4B-95CE-6DB70DBA9567}" type="datetimeFigureOut">
               <a:rPr lang="en-US" dirty="0"/>
               <a:pPr/>
-              <a:t>7/21/2017</a:t>
+              <a:t>7/22/2017</a:t>
             </a:fld>
             <a:endParaRPr lang="en-US" dirty="0"/>
           </a:p>
@@ -3196,7 +3193,7 @@
             <a:fld id="{B61BEF0D-F0BB-DE4B-95CE-6DB70DBA9567}" type="datetimeFigureOut">
               <a:rPr lang="en-US" dirty="0"/>
               <a:pPr/>
-              <a:t>7/21/2017</a:t>
+              <a:t>7/22/2017</a:t>
             </a:fld>
             <a:endParaRPr lang="en-US" dirty="0"/>
           </a:p>
@@ -3485,7 +3482,7 @@
             <a:fld id="{B61BEF0D-F0BB-DE4B-95CE-6DB70DBA9567}" type="datetimeFigureOut">
               <a:rPr lang="en-US" dirty="0"/>
               <a:pPr/>
-              <a:t>7/21/2017</a:t>
+              <a:t>7/22/2017</a:t>
             </a:fld>
             <a:endParaRPr lang="en-US" dirty="0"/>
           </a:p>
@@ -3912,7 +3909,7 @@
             <a:fld id="{B61BEF0D-F0BB-DE4B-95CE-6DB70DBA9567}" type="datetimeFigureOut">
               <a:rPr lang="en-US" dirty="0"/>
               <a:pPr/>
-              <a:t>7/21/2017</a:t>
+              <a:t>7/22/2017</a:t>
             </a:fld>
             <a:endParaRPr lang="en-US" dirty="0"/>
           </a:p>
@@ -4027,7 +4024,7 @@
             <a:fld id="{B61BEF0D-F0BB-DE4B-95CE-6DB70DBA9567}" type="datetimeFigureOut">
               <a:rPr lang="en-US" dirty="0"/>
               <a:pPr/>
-              <a:t>7/21/2017</a:t>
+              <a:t>7/22/2017</a:t>
             </a:fld>
             <a:endParaRPr lang="en-US" dirty="0"/>
           </a:p>
@@ -4119,7 +4116,7 @@
             <a:fld id="{B61BEF0D-F0BB-DE4B-95CE-6DB70DBA9567}" type="datetimeFigureOut">
               <a:rPr lang="en-US" dirty="0"/>
               <a:pPr/>
-              <a:t>7/21/2017</a:t>
+              <a:t>7/22/2017</a:t>
             </a:fld>
             <a:endParaRPr lang="en-US" dirty="0"/>
           </a:p>
@@ -4399,7 +4396,7 @@
             <a:fld id="{B61BEF0D-F0BB-DE4B-95CE-6DB70DBA9567}" type="datetimeFigureOut">
               <a:rPr lang="en-US" dirty="0"/>
               <a:pPr/>
-              <a:t>7/21/2017</a:t>
+              <a:t>7/22/2017</a:t>
             </a:fld>
             <a:endParaRPr lang="en-US" dirty="0"/>
           </a:p>
@@ -4686,7 +4683,7 @@
             <a:fld id="{B61BEF0D-F0BB-DE4B-95CE-6DB70DBA9567}" type="datetimeFigureOut">
               <a:rPr lang="en-US" dirty="0"/>
               <a:pPr/>
-              <a:t>7/21/2017</a:t>
+              <a:t>7/22/2017</a:t>
             </a:fld>
             <a:endParaRPr lang="en-US" dirty="0"/>
           </a:p>
@@ -4914,7 +4911,7 @@
             <a:fld id="{B61BEF0D-F0BB-DE4B-95CE-6DB70DBA9567}" type="datetimeFigureOut">
               <a:rPr lang="en-US" dirty="0"/>
               <a:pPr/>
-              <a:t>7/21/2017</a:t>
+              <a:t>7/22/2017</a:t>
             </a:fld>
             <a:endParaRPr lang="en-US" dirty="0"/>
           </a:p>
@@ -5826,609 +5823,6 @@
           <a:chExt cx="0" cy="0"/>
         </a:xfrm>
       </p:grpSpPr>
-      <p:sp>
-        <p:nvSpPr>
-          <p:cNvPr id="2" name="Title 1"/>
-          <p:cNvSpPr>
-            <a:spLocks noGrp="1"/>
-          </p:cNvSpPr>
-          <p:nvPr>
-            <p:ph type="title"/>
-          </p:nvPr>
-        </p:nvSpPr>
-        <p:spPr>
-          <a:xfrm>
-            <a:off x="1141413" y="609600"/>
-            <a:ext cx="9905998" cy="768824"/>
-          </a:xfrm>
-        </p:spPr>
-        <p:txBody>
-          <a:bodyPr/>
-          <a:lstStyle/>
-          <a:p>
-            <a:pPr algn="ctr"/>
-            <a:r>
-              <a:rPr lang="en-IE" dirty="0"/>
-              <a:t>Conclusion</a:t>
-            </a:r>
-          </a:p>
-        </p:txBody>
-      </p:sp>
-      <p:sp>
-        <p:nvSpPr>
-          <p:cNvPr id="3" name="Content Placeholder 2"/>
-          <p:cNvSpPr>
-            <a:spLocks noGrp="1"/>
-          </p:cNvSpPr>
-          <p:nvPr>
-            <p:ph idx="1"/>
-          </p:nvPr>
-        </p:nvSpPr>
-        <p:spPr>
-          <a:xfrm>
-            <a:off x="1141413" y="1282891"/>
-            <a:ext cx="9905998" cy="5158852"/>
-          </a:xfrm>
-        </p:spPr>
-        <p:txBody>
-          <a:bodyPr>
-            <a:normAutofit/>
-          </a:bodyPr>
-          <a:lstStyle/>
-          <a:p>
-            <a:endParaRPr lang="en-IE" dirty="0"/>
-          </a:p>
-          <a:p>
-            <a:pPr marL="0" indent="0" algn="ctr">
-              <a:buNone/>
-            </a:pPr>
-            <a:r>
-              <a:rPr lang="en-IE" sz="5500" dirty="0">
-                <a:solidFill>
-                  <a:srgbClr val="92D050"/>
-                </a:solidFill>
-              </a:rPr>
-              <a:t>Lessons Learned</a:t>
-            </a:r>
-          </a:p>
-          <a:p>
-            <a:pPr lvl="1"/>
-            <a:r>
-              <a:rPr lang="en-IE" sz="4500" dirty="0"/>
-              <a:t>The development of this project gave us the opportunity to explore the encryption capabilities of Python, </a:t>
-            </a:r>
-          </a:p>
-          <a:p>
-            <a:endParaRPr lang="en-IE" dirty="0"/>
-          </a:p>
-        </p:txBody>
-      </p:sp>
-    </p:spTree>
-    <p:extLst>
-      <p:ext uri="{BB962C8B-B14F-4D97-AF65-F5344CB8AC3E}">
-        <p14:creationId xmlns:p14="http://schemas.microsoft.com/office/powerpoint/2010/main" val="259544963"/>
-      </p:ext>
-    </p:extLst>
-  </p:cSld>
-  <p:clrMapOvr>
-    <a:masterClrMapping/>
-  </p:clrMapOvr>
-</p:sld>
-</file>
-
-<file path=ppt/slides/slide11.xml><?xml version="1.0" encoding="utf-8"?>
-<p:sld xmlns:a="http://schemas.openxmlformats.org/drawingml/2006/main" xmlns:r="http://schemas.openxmlformats.org/officeDocument/2006/relationships" xmlns:p="http://schemas.openxmlformats.org/presentationml/2006/main">
-  <p:cSld>
-    <p:spTree>
-      <p:nvGrpSpPr>
-        <p:cNvPr id="1" name=""/>
-        <p:cNvGrpSpPr/>
-        <p:nvPr/>
-      </p:nvGrpSpPr>
-      <p:grpSpPr>
-        <a:xfrm>
-          <a:off x="0" y="0"/>
-          <a:ext cx="0" cy="0"/>
-          <a:chOff x="0" y="0"/>
-          <a:chExt cx="0" cy="0"/>
-        </a:xfrm>
-      </p:grpSpPr>
-      <p:sp>
-        <p:nvSpPr>
-          <p:cNvPr id="2" name="Title 1"/>
-          <p:cNvSpPr>
-            <a:spLocks noGrp="1"/>
-          </p:cNvSpPr>
-          <p:nvPr>
-            <p:ph type="title"/>
-          </p:nvPr>
-        </p:nvSpPr>
-        <p:spPr>
-          <a:xfrm>
-            <a:off x="1141413" y="609600"/>
-            <a:ext cx="9905998" cy="700585"/>
-          </a:xfrm>
-        </p:spPr>
-        <p:txBody>
-          <a:bodyPr>
-            <a:normAutofit fontScale="90000"/>
-          </a:bodyPr>
-          <a:lstStyle/>
-          <a:p>
-            <a:pPr algn="ctr"/>
-            <a:r>
-              <a:rPr lang="en-IE" sz="4000" dirty="0"/>
-              <a:t>Conclusion </a:t>
-            </a:r>
-            <a:endParaRPr lang="en-IE" dirty="0"/>
-          </a:p>
-        </p:txBody>
-      </p:sp>
-      <p:sp>
-        <p:nvSpPr>
-          <p:cNvPr id="3" name="Content Placeholder 2"/>
-          <p:cNvSpPr>
-            <a:spLocks noGrp="1"/>
-          </p:cNvSpPr>
-          <p:nvPr>
-            <p:ph idx="1"/>
-          </p:nvPr>
-        </p:nvSpPr>
-        <p:spPr>
-          <a:xfrm>
-            <a:off x="1141413" y="1310186"/>
-            <a:ext cx="9905998" cy="5186148"/>
-          </a:xfrm>
-        </p:spPr>
-        <p:txBody>
-          <a:bodyPr>
-            <a:normAutofit fontScale="55000" lnSpcReduction="20000"/>
-          </a:bodyPr>
-          <a:lstStyle/>
-          <a:p>
-            <a:endParaRPr lang="en-IE" dirty="0"/>
-          </a:p>
-          <a:p>
-            <a:endParaRPr lang="en-IE" dirty="0"/>
-          </a:p>
-          <a:p>
-            <a:endParaRPr lang="en-IE" dirty="0"/>
-          </a:p>
-          <a:p>
-            <a:endParaRPr lang="en-IE" sz="4500" dirty="0"/>
-          </a:p>
-          <a:p>
-            <a:pPr marL="0" indent="0" algn="ctr">
-              <a:buNone/>
-            </a:pPr>
-            <a:r>
-              <a:rPr lang="en-IE" sz="5500" dirty="0">
-                <a:solidFill>
-                  <a:srgbClr val="FF0000"/>
-                </a:solidFill>
-              </a:rPr>
-              <a:t>Problems during Implementation</a:t>
-            </a:r>
-            <a:r>
-              <a:rPr lang="en-IE" sz="5500" dirty="0"/>
-              <a:t>:</a:t>
-            </a:r>
-          </a:p>
-          <a:p>
-            <a:pPr lvl="1"/>
-            <a:r>
-              <a:rPr lang="en-IE" sz="5500" dirty="0"/>
-              <a:t>Directory image encryption</a:t>
-            </a:r>
-          </a:p>
-          <a:p>
-            <a:pPr lvl="1"/>
-            <a:endParaRPr lang="en-IE" sz="5500" dirty="0"/>
-          </a:p>
-          <a:p>
-            <a:pPr lvl="1"/>
-            <a:r>
-              <a:rPr lang="en-IE" sz="5500" dirty="0"/>
-              <a:t>IV creating a short string</a:t>
-            </a:r>
-          </a:p>
-          <a:p>
-            <a:pPr lvl="1"/>
-            <a:endParaRPr lang="en-IE" sz="5500" dirty="0"/>
-          </a:p>
-          <a:p>
-            <a:pPr lvl="1"/>
-            <a:r>
-              <a:rPr lang="en-IE" sz="5500" dirty="0"/>
-              <a:t>File Transfer Protocol (ftp) to backend (Single User)</a:t>
-            </a:r>
-          </a:p>
-          <a:p>
-            <a:pPr marL="0" indent="0">
-              <a:buNone/>
-            </a:pPr>
-            <a:endParaRPr lang="en-IE" sz="5500" dirty="0"/>
-          </a:p>
-          <a:p>
-            <a:pPr lvl="1"/>
-            <a:endParaRPr lang="en-IE" sz="4500" dirty="0"/>
-          </a:p>
-          <a:p>
-            <a:endParaRPr lang="en-IE" sz="4500" dirty="0"/>
-          </a:p>
-          <a:p>
-            <a:endParaRPr lang="en-IE" sz="4500" dirty="0"/>
-          </a:p>
-          <a:p>
-            <a:endParaRPr lang="en-IE" dirty="0"/>
-          </a:p>
-          <a:p>
-            <a:endParaRPr lang="en-IE" dirty="0"/>
-          </a:p>
-          <a:p>
-            <a:endParaRPr lang="en-IE" dirty="0"/>
-          </a:p>
-          <a:p>
-            <a:endParaRPr lang="en-IE" dirty="0"/>
-          </a:p>
-        </p:txBody>
-      </p:sp>
-    </p:spTree>
-    <p:extLst>
-      <p:ext uri="{BB962C8B-B14F-4D97-AF65-F5344CB8AC3E}">
-        <p14:creationId xmlns:p14="http://schemas.microsoft.com/office/powerpoint/2010/main" val="2671508260"/>
-      </p:ext>
-    </p:extLst>
-  </p:cSld>
-  <p:clrMapOvr>
-    <a:masterClrMapping/>
-  </p:clrMapOvr>
-</p:sld>
-</file>
-
-<file path=ppt/slides/slide12.xml><?xml version="1.0" encoding="utf-8"?>
-<p:sld xmlns:a="http://schemas.openxmlformats.org/drawingml/2006/main" xmlns:r="http://schemas.openxmlformats.org/officeDocument/2006/relationships" xmlns:p="http://schemas.openxmlformats.org/presentationml/2006/main">
-  <p:cSld>
-    <p:spTree>
-      <p:nvGrpSpPr>
-        <p:cNvPr id="1" name=""/>
-        <p:cNvGrpSpPr/>
-        <p:nvPr/>
-      </p:nvGrpSpPr>
-      <p:grpSpPr>
-        <a:xfrm>
-          <a:off x="0" y="0"/>
-          <a:ext cx="0" cy="0"/>
-          <a:chOff x="0" y="0"/>
-          <a:chExt cx="0" cy="0"/>
-        </a:xfrm>
-      </p:grpSpPr>
-      <p:sp>
-        <p:nvSpPr>
-          <p:cNvPr id="2" name="Title 1"/>
-          <p:cNvSpPr>
-            <a:spLocks noGrp="1"/>
-          </p:cNvSpPr>
-          <p:nvPr>
-            <p:ph type="title"/>
-          </p:nvPr>
-        </p:nvSpPr>
-        <p:spPr>
-          <a:xfrm>
-            <a:off x="3098042" y="609600"/>
-            <a:ext cx="6291618" cy="905301"/>
-          </a:xfrm>
-        </p:spPr>
-        <p:txBody>
-          <a:bodyPr/>
-          <a:lstStyle/>
-          <a:p>
-            <a:pPr algn="ctr"/>
-            <a:r>
-              <a:rPr lang="en-IE" dirty="0">
-                <a:solidFill>
-                  <a:srgbClr val="92D050"/>
-                </a:solidFill>
-              </a:rPr>
-              <a:t>FURTHER INVESTIGATIONS</a:t>
-            </a:r>
-          </a:p>
-        </p:txBody>
-      </p:sp>
-      <p:graphicFrame>
-        <p:nvGraphicFramePr>
-          <p:cNvPr id="4" name="Content Placeholder 3"/>
-          <p:cNvGraphicFramePr>
-            <a:graphicFrameLocks noGrp="1"/>
-          </p:cNvGraphicFramePr>
-          <p:nvPr>
-            <p:ph idx="1"/>
-            <p:extLst>
-              <p:ext uri="{D42A27DB-BD31-4B8C-83A1-F6EECF244321}">
-                <p14:modId xmlns:p14="http://schemas.microsoft.com/office/powerpoint/2010/main" val="3844073285"/>
-              </p:ext>
-            </p:extLst>
-          </p:nvPr>
-        </p:nvGraphicFramePr>
-        <p:xfrm>
-          <a:off x="0" y="1419223"/>
-          <a:ext cx="12192000" cy="5438776"/>
-        </p:xfrm>
-        <a:graphic>
-          <a:graphicData uri="http://schemas.openxmlformats.org/drawingml/2006/table">
-            <a:tbl>
-              <a:tblPr firstRow="1" bandRow="1">
-                <a:tableStyleId>{5C22544A-7EE6-4342-B048-85BDC9FD1C3A}</a:tableStyleId>
-              </a:tblPr>
-              <a:tblGrid>
-                <a:gridCol w="4064000">
-                  <a:extLst>
-                    <a:ext uri="{9D8B030D-6E8A-4147-A177-3AD203B41FA5}">
-                      <a16:colId xmlns:a16="http://schemas.microsoft.com/office/drawing/2014/main" val="20000"/>
-                    </a:ext>
-                  </a:extLst>
-                </a:gridCol>
-                <a:gridCol w="4064000">
-                  <a:extLst>
-                    <a:ext uri="{9D8B030D-6E8A-4147-A177-3AD203B41FA5}">
-                      <a16:colId xmlns:a16="http://schemas.microsoft.com/office/drawing/2014/main" val="20001"/>
-                    </a:ext>
-                  </a:extLst>
-                </a:gridCol>
-                <a:gridCol w="4064000">
-                  <a:extLst>
-                    <a:ext uri="{9D8B030D-6E8A-4147-A177-3AD203B41FA5}">
-                      <a16:colId xmlns:a16="http://schemas.microsoft.com/office/drawing/2014/main" val="20002"/>
-                    </a:ext>
-                  </a:extLst>
-                </a:gridCol>
-              </a:tblGrid>
-              <a:tr h="1359694">
-                <a:tc>
-                  <a:txBody>
-                    <a:bodyPr/>
-                    <a:lstStyle/>
-                    <a:p>
-                      <a:pPr algn="ctr"/>
-                      <a:r>
-                        <a:rPr lang="en-IE" dirty="0"/>
-                        <a:t>ISSUE</a:t>
-                      </a:r>
-                    </a:p>
-                  </a:txBody>
-                  <a:tcPr/>
-                </a:tc>
-                <a:tc>
-                  <a:txBody>
-                    <a:bodyPr/>
-                    <a:lstStyle/>
-                    <a:p>
-                      <a:pPr algn="ctr"/>
-                      <a:r>
-                        <a:rPr lang="en-IE" dirty="0"/>
-                        <a:t>CURRENT METHOD</a:t>
-                      </a:r>
-                    </a:p>
-                  </a:txBody>
-                  <a:tcPr/>
-                </a:tc>
-                <a:tc>
-                  <a:txBody>
-                    <a:bodyPr/>
-                    <a:lstStyle/>
-                    <a:p>
-                      <a:pPr algn="ctr"/>
-                      <a:r>
-                        <a:rPr lang="en-IE" dirty="0"/>
-                        <a:t>RESEARCH</a:t>
-                      </a:r>
-                    </a:p>
-                  </a:txBody>
-                  <a:tcPr/>
-                </a:tc>
-                <a:extLst>
-                  <a:ext uri="{0D108BD9-81ED-4DB2-BD59-A6C34878D82A}">
-                    <a16:rowId xmlns:a16="http://schemas.microsoft.com/office/drawing/2014/main" val="10000"/>
-                  </a:ext>
-                </a:extLst>
-              </a:tr>
-              <a:tr h="1359694">
-                <a:tc>
-                  <a:txBody>
-                    <a:bodyPr/>
-                    <a:lstStyle/>
-                    <a:p>
-                      <a:r>
-                        <a:rPr lang="en-IE" dirty="0"/>
-                        <a:t>UNABLE TO RETURN HASHED IMAGE FROM DATABASE</a:t>
-                      </a:r>
-                    </a:p>
-                  </a:txBody>
-                  <a:tcPr/>
-                </a:tc>
-                <a:tc>
-                  <a:txBody>
-                    <a:bodyPr/>
-                    <a:lstStyle/>
-                    <a:p>
-                      <a:r>
-                        <a:rPr lang="en-IE" dirty="0"/>
-                        <a:t>MD5 HASHING</a:t>
-                      </a:r>
-                    </a:p>
-                  </a:txBody>
-                  <a:tcPr/>
-                </a:tc>
-                <a:tc>
-                  <a:txBody>
-                    <a:bodyPr/>
-                    <a:lstStyle/>
-                    <a:p>
-                      <a:r>
-                        <a:rPr lang="en-IE" dirty="0"/>
-                        <a:t>AES ENCRYPTION</a:t>
-                      </a:r>
-                    </a:p>
-                  </a:txBody>
-                  <a:tcPr/>
-                </a:tc>
-                <a:extLst>
-                  <a:ext uri="{0D108BD9-81ED-4DB2-BD59-A6C34878D82A}">
-                    <a16:rowId xmlns:a16="http://schemas.microsoft.com/office/drawing/2014/main" val="10001"/>
-                  </a:ext>
-                </a:extLst>
-              </a:tr>
-              <a:tr h="1359694">
-                <a:tc>
-                  <a:txBody>
-                    <a:bodyPr/>
-                    <a:lstStyle/>
-                    <a:p>
-                      <a:r>
-                        <a:rPr lang="en-IE" dirty="0"/>
-                        <a:t>VIEWABLE</a:t>
-                      </a:r>
-                      <a:r>
-                        <a:rPr lang="en-IE" baseline="0" dirty="0"/>
-                        <a:t> IMAGES</a:t>
-                      </a:r>
-                      <a:endParaRPr lang="en-IE" dirty="0"/>
-                    </a:p>
-                  </a:txBody>
-                  <a:tcPr/>
-                </a:tc>
-                <a:tc>
-                  <a:txBody>
-                    <a:bodyPr/>
-                    <a:lstStyle/>
-                    <a:p>
-                      <a:pPr marL="0" marR="0" indent="0" algn="l" defTabSz="457200" rtl="0" eaLnBrk="1" fontAlgn="auto" latinLnBrk="0" hangingPunct="1">
-                        <a:lnSpc>
-                          <a:spcPct val="100000"/>
-                        </a:lnSpc>
-                        <a:spcBef>
-                          <a:spcPts val="0"/>
-                        </a:spcBef>
-                        <a:spcAft>
-                          <a:spcPts val="0"/>
-                        </a:spcAft>
-                        <a:buClrTx/>
-                        <a:buSzTx/>
-                        <a:buFontTx/>
-                        <a:buNone/>
-                        <a:tabLst/>
-                        <a:defRPr/>
-                      </a:pPr>
-                      <a:r>
-                        <a:rPr lang="en-IE" dirty="0"/>
-                        <a:t>MD5 HASHING</a:t>
-                      </a:r>
-                    </a:p>
-                    <a:p>
-                      <a:endParaRPr lang="en-IE" dirty="0"/>
-                    </a:p>
-                  </a:txBody>
-                  <a:tcPr/>
-                </a:tc>
-                <a:tc>
-                  <a:txBody>
-                    <a:bodyPr/>
-                    <a:lstStyle/>
-                    <a:p>
-                      <a:r>
-                        <a:rPr lang="en-IE" dirty="0"/>
-                        <a:t>PIXEL SEPERATION</a:t>
-                      </a:r>
-                    </a:p>
-                  </a:txBody>
-                  <a:tcPr/>
-                </a:tc>
-                <a:extLst>
-                  <a:ext uri="{0D108BD9-81ED-4DB2-BD59-A6C34878D82A}">
-                    <a16:rowId xmlns:a16="http://schemas.microsoft.com/office/drawing/2014/main" val="10002"/>
-                  </a:ext>
-                </a:extLst>
-              </a:tr>
-              <a:tr h="1359694">
-                <a:tc>
-                  <a:txBody>
-                    <a:bodyPr/>
-                    <a:lstStyle/>
-                    <a:p>
-                      <a:r>
-                        <a:rPr lang="en-IE" dirty="0"/>
-                        <a:t>BOT ATTACKS</a:t>
-                      </a:r>
-                    </a:p>
-                  </a:txBody>
-                  <a:tcPr/>
-                </a:tc>
-                <a:tc>
-                  <a:txBody>
-                    <a:bodyPr/>
-                    <a:lstStyle/>
-                    <a:p>
-                      <a:r>
-                        <a:rPr lang="en-IE" dirty="0"/>
-                        <a:t>NONE PRESENT</a:t>
-                      </a:r>
-                    </a:p>
-                  </a:txBody>
-                  <a:tcPr/>
-                </a:tc>
-                <a:tc>
-                  <a:txBody>
-                    <a:bodyPr/>
-                    <a:lstStyle/>
-                    <a:p>
-                      <a:r>
-                        <a:rPr lang="en-IE" dirty="0"/>
-                        <a:t>HIDDEN CAPACHA</a:t>
-                      </a:r>
-                    </a:p>
-                  </a:txBody>
-                  <a:tcPr/>
-                </a:tc>
-                <a:extLst>
-                  <a:ext uri="{0D108BD9-81ED-4DB2-BD59-A6C34878D82A}">
-                    <a16:rowId xmlns:a16="http://schemas.microsoft.com/office/drawing/2014/main" val="10003"/>
-                  </a:ext>
-                </a:extLst>
-              </a:tr>
-            </a:tbl>
-          </a:graphicData>
-        </a:graphic>
-      </p:graphicFrame>
-    </p:spTree>
-    <p:extLst>
-      <p:ext uri="{BB962C8B-B14F-4D97-AF65-F5344CB8AC3E}">
-        <p14:creationId xmlns:p14="http://schemas.microsoft.com/office/powerpoint/2010/main" val="1547718518"/>
-      </p:ext>
-    </p:extLst>
-  </p:cSld>
-  <p:clrMapOvr>
-    <a:masterClrMapping/>
-  </p:clrMapOvr>
-</p:sld>
-</file>
-
-<file path=ppt/slides/slide13.xml><?xml version="1.0" encoding="utf-8"?>
-<p:sld xmlns:a="http://schemas.openxmlformats.org/drawingml/2006/main" xmlns:r="http://schemas.openxmlformats.org/officeDocument/2006/relationships" xmlns:p="http://schemas.openxmlformats.org/presentationml/2006/main">
-  <p:cSld>
-    <p:spTree>
-      <p:nvGrpSpPr>
-        <p:cNvPr id="1" name=""/>
-        <p:cNvGrpSpPr/>
-        <p:nvPr/>
-      </p:nvGrpSpPr>
-      <p:grpSpPr>
-        <a:xfrm>
-          <a:off x="0" y="0"/>
-          <a:ext cx="0" cy="0"/>
-          <a:chOff x="0" y="0"/>
-          <a:chExt cx="0" cy="0"/>
-        </a:xfrm>
-      </p:grpSpPr>
       <p:pic>
         <p:nvPicPr>
           <p:cNvPr id="6" name="Picture 5"/>
@@ -6630,7 +6024,7 @@
             <a:pPr lvl="1"/>
             <a:r>
               <a:rPr lang="en-IE" dirty="0"/>
-              <a:t>Three level of authentication for image sharing application.</a:t>
+              <a:t>Two level of authentication for image sharing application.</a:t>
             </a:r>
           </a:p>
           <a:p>
@@ -6648,45 +6042,6 @@
             <a:r>
               <a:rPr lang="en-IE" dirty="0"/>
               <a:t>Develop an application that encrypts the image that can be used to encrypt as well as send images remotely to the intended receiver.</a:t>
-            </a:r>
-          </a:p>
-          <a:p>
-            <a:r>
-              <a:rPr lang="en-IE" dirty="0"/>
-              <a:t>Secure E-Voting</a:t>
-            </a:r>
-          </a:p>
-          <a:p>
-            <a:pPr lvl="1"/>
-            <a:r>
-              <a:rPr lang="en-IE" dirty="0"/>
-              <a:t>Develop a secure E-voting application.</a:t>
-            </a:r>
-          </a:p>
-          <a:p>
-            <a:r>
-              <a:rPr lang="en-IE" dirty="0"/>
-              <a:t>Secure online booking ticket</a:t>
-            </a:r>
-          </a:p>
-          <a:p>
-            <a:pPr lvl="1"/>
-            <a:r>
-              <a:rPr lang="en-IE" dirty="0"/>
-              <a:t>Develop a secure web application for GAA ticket booking system. </a:t>
-            </a:r>
-          </a:p>
-          <a:p>
-            <a:r>
-              <a:rPr lang="en-IE" dirty="0"/>
-              <a:t>Student registration with fingerprint reader</a:t>
-            </a:r>
-          </a:p>
-          <a:p>
-            <a:pPr lvl="1"/>
-            <a:r>
-              <a:rPr lang="en-IE" dirty="0"/>
-              <a:t>Develop an application which can use a fingerprint in the registration process</a:t>
             </a:r>
           </a:p>
         </p:txBody>
@@ -7064,7 +6419,7 @@
         <p:spPr>
           <a:xfrm>
             <a:off x="1141413" y="609600"/>
-            <a:ext cx="9905998" cy="782472"/>
+            <a:ext cx="9905998" cy="700585"/>
           </a:xfrm>
         </p:spPr>
         <p:txBody>
@@ -7074,7 +6429,7 @@
             <a:pPr algn="ctr"/>
             <a:r>
               <a:rPr lang="en-IE" dirty="0"/>
-              <a:t>CODE SNIPPET REGISTER</a:t>
+              <a:t>CODE SNIPPET LOGIN</a:t>
             </a:r>
           </a:p>
         </p:txBody>
@@ -7089,11 +6444,284 @@
             <p:ph idx="1"/>
           </p:nvPr>
         </p:nvSpPr>
-        <p:spPr/>
-        <p:txBody>
-          <a:bodyPr/>
-          <a:lstStyle/>
-          <a:p>
+        <p:spPr>
+          <a:xfrm>
+            <a:off x="1141413" y="1860331"/>
+            <a:ext cx="9905998" cy="3930869"/>
+          </a:xfrm>
+        </p:spPr>
+        <p:txBody>
+          <a:bodyPr>
+            <a:normAutofit fontScale="25000" lnSpcReduction="20000"/>
+          </a:bodyPr>
+          <a:lstStyle/>
+          <a:p>
+            <a:r>
+              <a:rPr lang="en-IE" dirty="0"/>
+              <a:t>lass </a:t>
+            </a:r>
+            <a:r>
+              <a:rPr lang="en-IE" dirty="0" err="1"/>
+              <a:t>AESCipher</a:t>
+            </a:r>
+            <a:r>
+              <a:rPr lang="en-IE" dirty="0"/>
+              <a:t>():</a:t>
+            </a:r>
+          </a:p>
+          <a:p>
+            <a:endParaRPr lang="en-IE" dirty="0"/>
+          </a:p>
+          <a:p>
+            <a:r>
+              <a:rPr lang="en-IE" dirty="0"/>
+              <a:t>  def __</a:t>
+            </a:r>
+            <a:r>
+              <a:rPr lang="en-IE" dirty="0" err="1"/>
+              <a:t>init</a:t>
+            </a:r>
+            <a:r>
+              <a:rPr lang="en-IE" dirty="0"/>
+              <a:t>__(self, key):  # the </a:t>
+            </a:r>
+            <a:r>
+              <a:rPr lang="en-IE" dirty="0" err="1"/>
+              <a:t>AESCipher</a:t>
+            </a:r>
+            <a:r>
+              <a:rPr lang="en-IE" dirty="0"/>
+              <a:t> class is initialised with a key</a:t>
+            </a:r>
+          </a:p>
+          <a:p>
+            <a:r>
+              <a:rPr lang="en-IE" dirty="0"/>
+              <a:t>    </a:t>
+            </a:r>
+            <a:r>
+              <a:rPr lang="en-IE" dirty="0" err="1"/>
+              <a:t>self.key</a:t>
+            </a:r>
+            <a:r>
+              <a:rPr lang="en-IE" dirty="0"/>
+              <a:t> = key</a:t>
+            </a:r>
+          </a:p>
+          <a:p>
+            <a:endParaRPr lang="en-IE" dirty="0"/>
+          </a:p>
+          <a:p>
+            <a:r>
+              <a:rPr lang="en-IE" dirty="0"/>
+              <a:t>  def encrypt(self, message):</a:t>
+            </a:r>
+          </a:p>
+          <a:p>
+            <a:r>
+              <a:rPr lang="en-IE" dirty="0"/>
+              <a:t>    if message is None or </a:t>
+            </a:r>
+            <a:r>
+              <a:rPr lang="en-IE" dirty="0" err="1"/>
+              <a:t>len</a:t>
+            </a:r>
+            <a:r>
+              <a:rPr lang="en-IE" dirty="0"/>
+              <a:t>(message) == 0:</a:t>
+            </a:r>
+          </a:p>
+          <a:p>
+            <a:r>
+              <a:rPr lang="en-IE" dirty="0"/>
+              <a:t>      return ''</a:t>
+            </a:r>
+          </a:p>
+          <a:p>
+            <a:r>
+              <a:rPr lang="en-IE" dirty="0"/>
+              <a:t>    iv = </a:t>
+            </a:r>
+            <a:r>
+              <a:rPr lang="en-IE" dirty="0" err="1"/>
+              <a:t>Random.new</a:t>
+            </a:r>
+            <a:r>
+              <a:rPr lang="en-IE" dirty="0"/>
+              <a:t>().read(</a:t>
+            </a:r>
+            <a:r>
+              <a:rPr lang="en-IE" dirty="0" err="1"/>
+              <a:t>AES.block_size</a:t>
+            </a:r>
+            <a:r>
+              <a:rPr lang="en-IE" dirty="0"/>
+              <a:t>)  # A random IV is introduced</a:t>
+            </a:r>
+          </a:p>
+          <a:p>
+            <a:r>
+              <a:rPr lang="en-IE" dirty="0"/>
+              <a:t>    cipher = </a:t>
+            </a:r>
+            <a:r>
+              <a:rPr lang="en-IE" dirty="0" err="1"/>
+              <a:t>AES.new</a:t>
+            </a:r>
+            <a:r>
+              <a:rPr lang="en-IE" dirty="0"/>
+              <a:t>(</a:t>
+            </a:r>
+            <a:r>
+              <a:rPr lang="en-IE" dirty="0" err="1"/>
+              <a:t>self.key</a:t>
+            </a:r>
+            <a:r>
+              <a:rPr lang="en-IE" dirty="0"/>
+              <a:t>, AES.MODE_CFB, iv)  # The AES cipher is instantiated</a:t>
+            </a:r>
+          </a:p>
+          <a:p>
+            <a:r>
+              <a:rPr lang="en-IE" dirty="0"/>
+              <a:t>    return base64.b64encode(iv + </a:t>
+            </a:r>
+            <a:r>
+              <a:rPr lang="en-IE" dirty="0" err="1"/>
+              <a:t>cipher.encrypt</a:t>
+            </a:r>
+            <a:r>
+              <a:rPr lang="en-IE" dirty="0"/>
+              <a:t>(message))  # Finally the decrypted message is returned base64 encoded</a:t>
+            </a:r>
+          </a:p>
+          <a:p>
+            <a:endParaRPr lang="en-IE" dirty="0"/>
+          </a:p>
+          <a:p>
+            <a:r>
+              <a:rPr lang="en-IE" dirty="0"/>
+              <a:t>  def decrypt(self, message):</a:t>
+            </a:r>
+          </a:p>
+          <a:p>
+            <a:r>
+              <a:rPr lang="en-IE" dirty="0"/>
+              <a:t>    if message is None or </a:t>
+            </a:r>
+            <a:r>
+              <a:rPr lang="en-IE" dirty="0" err="1"/>
+              <a:t>len</a:t>
+            </a:r>
+            <a:r>
+              <a:rPr lang="en-IE" dirty="0"/>
+              <a:t>(message) == 0:</a:t>
+            </a:r>
+          </a:p>
+          <a:p>
+            <a:r>
+              <a:rPr lang="en-IE" dirty="0"/>
+              <a:t>      return ''</a:t>
+            </a:r>
+          </a:p>
+          <a:p>
+            <a:r>
+              <a:rPr lang="en-IE" dirty="0"/>
+              <a:t>    message = base64.b64decode(message)  # The encoded message is first base64 decoded</a:t>
+            </a:r>
+          </a:p>
+          <a:p>
+            <a:r>
+              <a:rPr lang="en-IE" dirty="0"/>
+              <a:t>    iv = message[:</a:t>
+            </a:r>
+            <a:r>
+              <a:rPr lang="en-IE" dirty="0" err="1"/>
+              <a:t>AES.block_size</a:t>
+            </a:r>
+            <a:r>
+              <a:rPr lang="en-IE" dirty="0"/>
+              <a:t>]  # The IV that we stored with the encrypted message is taken out</a:t>
+            </a:r>
+          </a:p>
+          <a:p>
+            <a:r>
+              <a:rPr lang="en-IE" dirty="0"/>
+              <a:t>    cipher = </a:t>
+            </a:r>
+            <a:r>
+              <a:rPr lang="en-IE" dirty="0" err="1"/>
+              <a:t>AES.new</a:t>
+            </a:r>
+            <a:r>
+              <a:rPr lang="en-IE" dirty="0"/>
+              <a:t>(</a:t>
+            </a:r>
+            <a:r>
+              <a:rPr lang="en-IE" dirty="0" err="1"/>
+              <a:t>self.key</a:t>
+            </a:r>
+            <a:r>
+              <a:rPr lang="en-IE" dirty="0"/>
+              <a:t>, AES.MODE_CFB, iv)  # The cipher is instantiated</a:t>
+            </a:r>
+          </a:p>
+          <a:p>
+            <a:r>
+              <a:rPr lang="en-IE" dirty="0"/>
+              <a:t>    return </a:t>
+            </a:r>
+            <a:r>
+              <a:rPr lang="en-IE" dirty="0" err="1"/>
+              <a:t>cipher.decrypt</a:t>
+            </a:r>
+            <a:r>
+              <a:rPr lang="en-IE" dirty="0"/>
+              <a:t>(message[</a:t>
+            </a:r>
+            <a:r>
+              <a:rPr lang="en-IE" dirty="0" err="1"/>
+              <a:t>AES.block_size</a:t>
+            </a:r>
+            <a:r>
+              <a:rPr lang="en-IE" dirty="0"/>
+              <a:t>:])  # The decrypted message is returned</a:t>
+            </a:r>
+          </a:p>
+          <a:p>
+            <a:endParaRPr lang="en-IE" dirty="0"/>
+          </a:p>
+          <a:p>
+            <a:r>
+              <a:rPr lang="en-IE" dirty="0"/>
+              <a:t>key = </a:t>
+            </a:r>
+            <a:r>
+              <a:rPr lang="en-IE" dirty="0" err="1"/>
+              <a:t>Random.new</a:t>
+            </a:r>
+            <a:r>
+              <a:rPr lang="en-IE" dirty="0"/>
+              <a:t>().read(32)  # We initialise the key to use for encrypting the images</a:t>
+            </a:r>
+          </a:p>
+          <a:p>
+            <a:r>
+              <a:rPr lang="en-IE" dirty="0" err="1"/>
+              <a:t>aes</a:t>
+            </a:r>
+            <a:r>
+              <a:rPr lang="en-IE" dirty="0"/>
+              <a:t> = </a:t>
+            </a:r>
+            <a:r>
+              <a:rPr lang="en-IE" dirty="0" err="1"/>
+              <a:t>AESCipher</a:t>
+            </a:r>
+            <a:r>
+              <a:rPr lang="en-IE" dirty="0"/>
+              <a:t>(key)  # We initialise the AES cipher with the key from above</a:t>
+            </a:r>
             <a:endParaRPr lang="en-IE" dirty="0"/>
           </a:p>
         </p:txBody>
@@ -7101,7 +6729,7 @@
     </p:spTree>
     <p:extLst>
       <p:ext uri="{BB962C8B-B14F-4D97-AF65-F5344CB8AC3E}">
-        <p14:creationId xmlns:p14="http://schemas.microsoft.com/office/powerpoint/2010/main" val="2766609100"/>
+        <p14:creationId xmlns:p14="http://schemas.microsoft.com/office/powerpoint/2010/main" val="2933609452"/>
       </p:ext>
     </p:extLst>
   </p:cSld>
@@ -7138,190 +6766,6 @@
             <p:ph type="title"/>
           </p:nvPr>
         </p:nvSpPr>
-        <p:spPr>
-          <a:xfrm>
-            <a:off x="1141413" y="609600"/>
-            <a:ext cx="9905998" cy="700585"/>
-          </a:xfrm>
-        </p:spPr>
-        <p:txBody>
-          <a:bodyPr/>
-          <a:lstStyle/>
-          <a:p>
-            <a:pPr algn="ctr"/>
-            <a:r>
-              <a:rPr lang="en-IE" dirty="0"/>
-              <a:t>CODE SNIPPET LOGIN</a:t>
-            </a:r>
-          </a:p>
-        </p:txBody>
-      </p:sp>
-      <p:sp>
-        <p:nvSpPr>
-          <p:cNvPr id="3" name="Content Placeholder 2"/>
-          <p:cNvSpPr>
-            <a:spLocks noGrp="1"/>
-          </p:cNvSpPr>
-          <p:nvPr>
-            <p:ph idx="1"/>
-          </p:nvPr>
-        </p:nvSpPr>
-        <p:spPr/>
-        <p:txBody>
-          <a:bodyPr/>
-          <a:lstStyle/>
-          <a:p>
-            <a:endParaRPr lang="en-IE" dirty="0"/>
-          </a:p>
-        </p:txBody>
-      </p:sp>
-    </p:spTree>
-    <p:extLst>
-      <p:ext uri="{BB962C8B-B14F-4D97-AF65-F5344CB8AC3E}">
-        <p14:creationId xmlns:p14="http://schemas.microsoft.com/office/powerpoint/2010/main" val="2933609452"/>
-      </p:ext>
-    </p:extLst>
-  </p:cSld>
-  <p:clrMapOvr>
-    <a:masterClrMapping/>
-  </p:clrMapOvr>
-</p:sld>
-</file>
-
-<file path=ppt/slides/slide7.xml><?xml version="1.0" encoding="utf-8"?>
-<p:sld xmlns:a="http://schemas.openxmlformats.org/drawingml/2006/main" xmlns:r="http://schemas.openxmlformats.org/officeDocument/2006/relationships" xmlns:p="http://schemas.openxmlformats.org/presentationml/2006/main">
-  <p:cSld>
-    <p:spTree>
-      <p:nvGrpSpPr>
-        <p:cNvPr id="1" name=""/>
-        <p:cNvGrpSpPr/>
-        <p:nvPr/>
-      </p:nvGrpSpPr>
-      <p:grpSpPr>
-        <a:xfrm>
-          <a:off x="0" y="0"/>
-          <a:ext cx="0" cy="0"/>
-          <a:chOff x="0" y="0"/>
-          <a:chExt cx="0" cy="0"/>
-        </a:xfrm>
-      </p:grpSpPr>
-      <p:sp>
-        <p:nvSpPr>
-          <p:cNvPr id="2" name="Title 1"/>
-          <p:cNvSpPr>
-            <a:spLocks noGrp="1"/>
-          </p:cNvSpPr>
-          <p:nvPr>
-            <p:ph type="title"/>
-          </p:nvPr>
-        </p:nvSpPr>
-        <p:spPr>
-          <a:xfrm>
-            <a:off x="1141413" y="609600"/>
-            <a:ext cx="9905998" cy="990599"/>
-          </a:xfrm>
-        </p:spPr>
-        <p:txBody>
-          <a:bodyPr/>
-          <a:lstStyle/>
-          <a:p>
-            <a:pPr algn="ctr"/>
-            <a:r>
-              <a:rPr lang="en-IE" sz="4000" dirty="0"/>
-              <a:t>System Architecture</a:t>
-            </a:r>
-            <a:r>
-              <a:rPr lang="en-IE" dirty="0"/>
-              <a:t> </a:t>
-            </a:r>
-          </a:p>
-        </p:txBody>
-      </p:sp>
-      <p:sp>
-        <p:nvSpPr>
-          <p:cNvPr id="3" name="Content Placeholder 2"/>
-          <p:cNvSpPr>
-            <a:spLocks noGrp="1"/>
-          </p:cNvSpPr>
-          <p:nvPr>
-            <p:ph idx="1"/>
-          </p:nvPr>
-        </p:nvSpPr>
-        <p:spPr/>
-        <p:txBody>
-          <a:bodyPr>
-            <a:normAutofit/>
-          </a:bodyPr>
-          <a:lstStyle/>
-          <a:p>
-            <a:endParaRPr lang="en-IE" dirty="0"/>
-          </a:p>
-          <a:p>
-            <a:endParaRPr lang="en-IE" dirty="0"/>
-          </a:p>
-          <a:p>
-            <a:endParaRPr lang="en-IE" dirty="0"/>
-          </a:p>
-          <a:p>
-            <a:endParaRPr lang="en-IE" dirty="0"/>
-          </a:p>
-          <a:p>
-            <a:endParaRPr lang="en-IE" dirty="0"/>
-          </a:p>
-          <a:p>
-            <a:endParaRPr lang="en-IE" dirty="0"/>
-          </a:p>
-          <a:p>
-            <a:endParaRPr lang="en-IE" dirty="0"/>
-          </a:p>
-          <a:p>
-            <a:endParaRPr lang="en-IE" dirty="0"/>
-          </a:p>
-          <a:p>
-            <a:endParaRPr lang="en-IE" dirty="0"/>
-          </a:p>
-        </p:txBody>
-      </p:sp>
-    </p:spTree>
-    <p:extLst>
-      <p:ext uri="{BB962C8B-B14F-4D97-AF65-F5344CB8AC3E}">
-        <p14:creationId xmlns:p14="http://schemas.microsoft.com/office/powerpoint/2010/main" val="870948111"/>
-      </p:ext>
-    </p:extLst>
-  </p:cSld>
-  <p:clrMapOvr>
-    <a:masterClrMapping/>
-  </p:clrMapOvr>
-</p:sld>
-</file>
-
-<file path=ppt/slides/slide8.xml><?xml version="1.0" encoding="utf-8"?>
-<p:sld xmlns:a="http://schemas.openxmlformats.org/drawingml/2006/main" xmlns:r="http://schemas.openxmlformats.org/officeDocument/2006/relationships" xmlns:p="http://schemas.openxmlformats.org/presentationml/2006/main">
-  <p:cSld>
-    <p:spTree>
-      <p:nvGrpSpPr>
-        <p:cNvPr id="1" name=""/>
-        <p:cNvGrpSpPr/>
-        <p:nvPr/>
-      </p:nvGrpSpPr>
-      <p:grpSpPr>
-        <a:xfrm>
-          <a:off x="0" y="0"/>
-          <a:ext cx="0" cy="0"/>
-          <a:chOff x="0" y="0"/>
-          <a:chExt cx="0" cy="0"/>
-        </a:xfrm>
-      </p:grpSpPr>
-      <p:sp>
-        <p:nvSpPr>
-          <p:cNvPr id="2" name="Title 1"/>
-          <p:cNvSpPr>
-            <a:spLocks noGrp="1"/>
-          </p:cNvSpPr>
-          <p:nvPr>
-            <p:ph type="title"/>
-          </p:nvPr>
-        </p:nvSpPr>
         <p:spPr/>
         <p:txBody>
           <a:bodyPr/>
@@ -7401,7 +6845,7 @@
 </p:sld>
 </file>
 
-<file path=ppt/slides/slide9.xml><?xml version="1.0" encoding="utf-8"?>
+<file path=ppt/slides/slide7.xml><?xml version="1.0" encoding="utf-8"?>
 <p:sld xmlns:a="http://schemas.openxmlformats.org/drawingml/2006/main" xmlns:r="http://schemas.openxmlformats.org/officeDocument/2006/relationships" xmlns:p="http://schemas.openxmlformats.org/presentationml/2006/main">
   <p:cSld>
     <p:spTree>
@@ -7546,7 +6990,7 @@
       </p:pic>
       <p:pic>
         <p:nvPicPr>
-          <p:cNvPr id="9" name="Picture 8"/>
+          <p:cNvPr id="11" name="Picture 10"/>
           <p:cNvPicPr>
             <a:picLocks noChangeAspect="1"/>
           </p:cNvPicPr>
@@ -7554,30 +6998,6 @@
         </p:nvPicPr>
         <p:blipFill>
           <a:blip r:embed="rId4"/>
-          <a:stretch>
-            <a:fillRect/>
-          </a:stretch>
-        </p:blipFill>
-        <p:spPr>
-          <a:xfrm>
-            <a:off x="4560276" y="2752417"/>
-            <a:ext cx="6757988" cy="653417"/>
-          </a:xfrm>
-          <a:prstGeom prst="rect">
-            <a:avLst/>
-          </a:prstGeom>
-        </p:spPr>
-      </p:pic>
-      <p:pic>
-        <p:nvPicPr>
-          <p:cNvPr id="11" name="Picture 10"/>
-          <p:cNvPicPr>
-            <a:picLocks noChangeAspect="1"/>
-          </p:cNvPicPr>
-          <p:nvPr/>
-        </p:nvPicPr>
-        <p:blipFill>
-          <a:blip r:embed="rId5"/>
           <a:stretch>
             <a:fillRect/>
           </a:stretch>
@@ -7592,10 +7012,314 @@
           </a:prstGeom>
         </p:spPr>
       </p:pic>
+      <p:pic>
+        <p:nvPicPr>
+          <p:cNvPr id="6" name="Picture 5"/>
+          <p:cNvPicPr>
+            <a:picLocks noChangeAspect="1"/>
+          </p:cNvPicPr>
+          <p:nvPr/>
+        </p:nvPicPr>
+        <p:blipFill>
+          <a:blip r:embed="rId5"/>
+          <a:stretch>
+            <a:fillRect/>
+          </a:stretch>
+        </p:blipFill>
+        <p:spPr>
+          <a:xfrm>
+            <a:off x="4742472" y="2972575"/>
+            <a:ext cx="6680078" cy="3409174"/>
+          </a:xfrm>
+          <a:prstGeom prst="rect">
+            <a:avLst/>
+          </a:prstGeom>
+        </p:spPr>
+      </p:pic>
     </p:spTree>
     <p:extLst>
       <p:ext uri="{BB962C8B-B14F-4D97-AF65-F5344CB8AC3E}">
         <p14:creationId xmlns:p14="http://schemas.microsoft.com/office/powerpoint/2010/main" val="3752075567"/>
+      </p:ext>
+    </p:extLst>
+  </p:cSld>
+  <p:clrMapOvr>
+    <a:masterClrMapping/>
+  </p:clrMapOvr>
+</p:sld>
+</file>
+
+<file path=ppt/slides/slide8.xml><?xml version="1.0" encoding="utf-8"?>
+<p:sld xmlns:a="http://schemas.openxmlformats.org/drawingml/2006/main" xmlns:r="http://schemas.openxmlformats.org/officeDocument/2006/relationships" xmlns:p="http://schemas.openxmlformats.org/presentationml/2006/main">
+  <p:cSld>
+    <p:spTree>
+      <p:nvGrpSpPr>
+        <p:cNvPr id="1" name=""/>
+        <p:cNvGrpSpPr/>
+        <p:nvPr/>
+      </p:nvGrpSpPr>
+      <p:grpSpPr>
+        <a:xfrm>
+          <a:off x="0" y="0"/>
+          <a:ext cx="0" cy="0"/>
+          <a:chOff x="0" y="0"/>
+          <a:chExt cx="0" cy="0"/>
+        </a:xfrm>
+      </p:grpSpPr>
+      <p:sp>
+        <p:nvSpPr>
+          <p:cNvPr id="2" name="Title 1"/>
+          <p:cNvSpPr>
+            <a:spLocks noGrp="1"/>
+          </p:cNvSpPr>
+          <p:nvPr>
+            <p:ph type="title"/>
+          </p:nvPr>
+        </p:nvSpPr>
+        <p:spPr>
+          <a:xfrm>
+            <a:off x="1141413" y="609600"/>
+            <a:ext cx="9905998" cy="768824"/>
+          </a:xfrm>
+        </p:spPr>
+        <p:txBody>
+          <a:bodyPr/>
+          <a:lstStyle/>
+          <a:p>
+            <a:pPr algn="ctr"/>
+            <a:r>
+              <a:rPr lang="en-IE" dirty="0"/>
+              <a:t>Conclusion</a:t>
+            </a:r>
+          </a:p>
+        </p:txBody>
+      </p:sp>
+      <p:sp>
+        <p:nvSpPr>
+          <p:cNvPr id="3" name="Content Placeholder 2"/>
+          <p:cNvSpPr>
+            <a:spLocks noGrp="1"/>
+          </p:cNvSpPr>
+          <p:nvPr>
+            <p:ph idx="1"/>
+          </p:nvPr>
+        </p:nvSpPr>
+        <p:spPr>
+          <a:xfrm>
+            <a:off x="1141413" y="1282891"/>
+            <a:ext cx="9905998" cy="5158852"/>
+          </a:xfrm>
+        </p:spPr>
+        <p:txBody>
+          <a:bodyPr>
+            <a:normAutofit/>
+          </a:bodyPr>
+          <a:lstStyle/>
+          <a:p>
+            <a:endParaRPr lang="en-IE" dirty="0"/>
+          </a:p>
+          <a:p>
+            <a:pPr marL="0" indent="0" algn="ctr">
+              <a:buNone/>
+            </a:pPr>
+            <a:r>
+              <a:rPr lang="en-IE" sz="5500" dirty="0">
+                <a:solidFill>
+                  <a:srgbClr val="92D050"/>
+                </a:solidFill>
+              </a:rPr>
+              <a:t>Lessons Learned</a:t>
+            </a:r>
+          </a:p>
+          <a:p>
+            <a:pPr lvl="1"/>
+            <a:r>
+              <a:rPr lang="en-IE" sz="4500" dirty="0"/>
+              <a:t>The development of this project gave us the opportunity to explore the encryption capabilities of Python, </a:t>
+            </a:r>
+          </a:p>
+          <a:p>
+            <a:endParaRPr lang="en-IE" dirty="0"/>
+          </a:p>
+        </p:txBody>
+      </p:sp>
+    </p:spTree>
+    <p:extLst>
+      <p:ext uri="{BB962C8B-B14F-4D97-AF65-F5344CB8AC3E}">
+        <p14:creationId xmlns:p14="http://schemas.microsoft.com/office/powerpoint/2010/main" val="259544963"/>
+      </p:ext>
+    </p:extLst>
+  </p:cSld>
+  <p:clrMapOvr>
+    <a:masterClrMapping/>
+  </p:clrMapOvr>
+</p:sld>
+</file>
+
+<file path=ppt/slides/slide9.xml><?xml version="1.0" encoding="utf-8"?>
+<p:sld xmlns:a="http://schemas.openxmlformats.org/drawingml/2006/main" xmlns:r="http://schemas.openxmlformats.org/officeDocument/2006/relationships" xmlns:p="http://schemas.openxmlformats.org/presentationml/2006/main">
+  <p:cSld>
+    <p:spTree>
+      <p:nvGrpSpPr>
+        <p:cNvPr id="1" name=""/>
+        <p:cNvGrpSpPr/>
+        <p:nvPr/>
+      </p:nvGrpSpPr>
+      <p:grpSpPr>
+        <a:xfrm>
+          <a:off x="0" y="0"/>
+          <a:ext cx="0" cy="0"/>
+          <a:chOff x="0" y="0"/>
+          <a:chExt cx="0" cy="0"/>
+        </a:xfrm>
+      </p:grpSpPr>
+      <p:sp>
+        <p:nvSpPr>
+          <p:cNvPr id="2" name="Title 1"/>
+          <p:cNvSpPr>
+            <a:spLocks noGrp="1"/>
+          </p:cNvSpPr>
+          <p:nvPr>
+            <p:ph type="title"/>
+          </p:nvPr>
+        </p:nvSpPr>
+        <p:spPr>
+          <a:xfrm>
+            <a:off x="1141413" y="609600"/>
+            <a:ext cx="9905998" cy="700585"/>
+          </a:xfrm>
+        </p:spPr>
+        <p:txBody>
+          <a:bodyPr>
+            <a:normAutofit fontScale="90000"/>
+          </a:bodyPr>
+          <a:lstStyle/>
+          <a:p>
+            <a:pPr algn="ctr"/>
+            <a:r>
+              <a:rPr lang="en-IE" sz="4000" dirty="0"/>
+              <a:t>Conclusion </a:t>
+            </a:r>
+            <a:endParaRPr lang="en-IE" dirty="0"/>
+          </a:p>
+        </p:txBody>
+      </p:sp>
+      <p:sp>
+        <p:nvSpPr>
+          <p:cNvPr id="3" name="Content Placeholder 2"/>
+          <p:cNvSpPr>
+            <a:spLocks noGrp="1"/>
+          </p:cNvSpPr>
+          <p:nvPr>
+            <p:ph idx="1"/>
+          </p:nvPr>
+        </p:nvSpPr>
+        <p:spPr>
+          <a:xfrm>
+            <a:off x="1141413" y="2732691"/>
+            <a:ext cx="9905998" cy="2995448"/>
+          </a:xfrm>
+        </p:spPr>
+        <p:txBody>
+          <a:bodyPr>
+            <a:normAutofit fontScale="40000" lnSpcReduction="20000"/>
+          </a:bodyPr>
+          <a:lstStyle/>
+          <a:p>
+            <a:endParaRPr lang="en-IE" dirty="0"/>
+          </a:p>
+          <a:p>
+            <a:endParaRPr lang="en-IE" dirty="0"/>
+          </a:p>
+          <a:p>
+            <a:endParaRPr lang="en-IE" dirty="0"/>
+          </a:p>
+          <a:p>
+            <a:endParaRPr lang="en-IE" sz="4500" dirty="0"/>
+          </a:p>
+          <a:p>
+            <a:pPr marL="0" indent="0" algn="ctr">
+              <a:buNone/>
+            </a:pPr>
+            <a:r>
+              <a:rPr lang="en-IE" sz="5500" dirty="0">
+                <a:solidFill>
+                  <a:srgbClr val="FF0000"/>
+                </a:solidFill>
+              </a:rPr>
+              <a:t>Problems during Implementation</a:t>
+            </a:r>
+            <a:r>
+              <a:rPr lang="en-IE" sz="5500" dirty="0"/>
+              <a:t>:</a:t>
+            </a:r>
+          </a:p>
+          <a:p>
+            <a:pPr lvl="1"/>
+            <a:r>
+              <a:rPr lang="en-IE" sz="5500" dirty="0"/>
+              <a:t>Storage of the Images in the database</a:t>
+            </a:r>
+          </a:p>
+          <a:p>
+            <a:pPr lvl="1"/>
+            <a:r>
+              <a:rPr lang="en-IE" sz="5500" dirty="0"/>
+              <a:t>Configuring Google </a:t>
+            </a:r>
+            <a:r>
+              <a:rPr lang="en-IE" sz="5500" dirty="0" err="1"/>
+              <a:t>Auth</a:t>
+            </a:r>
+            <a:endParaRPr lang="en-IE" sz="5500" dirty="0"/>
+          </a:p>
+          <a:p>
+            <a:pPr marL="457200" lvl="1" indent="0">
+              <a:buNone/>
+            </a:pPr>
+            <a:r>
+              <a:rPr lang="en-IE" sz="5500" dirty="0"/>
+              <a:t> </a:t>
+            </a:r>
+          </a:p>
+          <a:p>
+            <a:pPr lvl="1"/>
+            <a:endParaRPr lang="en-IE" sz="5500" dirty="0"/>
+          </a:p>
+          <a:p>
+            <a:pPr marL="0" indent="0">
+              <a:buNone/>
+            </a:pPr>
+            <a:endParaRPr lang="en-IE" sz="5500" dirty="0"/>
+          </a:p>
+          <a:p>
+            <a:pPr lvl="1"/>
+            <a:endParaRPr lang="en-IE" sz="4500" dirty="0"/>
+          </a:p>
+          <a:p>
+            <a:endParaRPr lang="en-IE" sz="4500" dirty="0"/>
+          </a:p>
+          <a:p>
+            <a:endParaRPr lang="en-IE" sz="4500" dirty="0"/>
+          </a:p>
+          <a:p>
+            <a:endParaRPr lang="en-IE" dirty="0"/>
+          </a:p>
+          <a:p>
+            <a:endParaRPr lang="en-IE" dirty="0"/>
+          </a:p>
+          <a:p>
+            <a:endParaRPr lang="en-IE" dirty="0"/>
+          </a:p>
+          <a:p>
+            <a:endParaRPr lang="en-IE" dirty="0"/>
+          </a:p>
+        </p:txBody>
+      </p:sp>
+    </p:spTree>
+    <p:extLst>
+      <p:ext uri="{BB962C8B-B14F-4D97-AF65-F5344CB8AC3E}">
+        <p14:creationId xmlns:p14="http://schemas.microsoft.com/office/powerpoint/2010/main" val="2671508260"/>
       </p:ext>
     </p:extLst>
   </p:cSld>
